--- a/GatherGrid.pptx
+++ b/GatherGrid.pptx
@@ -128,6 +128,8 @@
     <p1510:client id="{41949383-9F4E-407E-8368-DF7A8926CFAF}" v="220" dt="2023-10-12T15:33:58.438"/>
     <p1510:client id="{4834DD2C-162F-457D-8B87-AC0601F7C3C2}" v="100" dt="2023-10-12T08:22:36.023"/>
     <p1510:client id="{5D4624D6-9EBE-415E-938B-155F8C1B0631}" v="145" dt="2023-10-12T16:04:03.828"/>
+    <p1510:client id="{68548255-B2BE-49F0-A47B-91C810CB8E11}" v="56" dt="2023-10-13T13:40:03.815"/>
+    <p1510:client id="{F43F1758-F955-4739-9EF2-8D840E7C5D46}" v="1" dt="2023-10-13T07:58:43.581"/>
   </p1510:revLst>
 </p1510:revInfo>
 </file>
@@ -291,7 +293,7 @@
           <a:p>
             <a:fld id="{17F50B8E-A176-49F2-A3C1-FEDA0200170B}" type="datetime2">
               <a:rPr lang="en-US" smtClean="0"/>
-              <a:t>Thursday, October 12, 2023</a:t>
+              <a:t>Friday, October 13, 2023</a:t>
             </a:fld>
             <a:endParaRPr lang="en-US" dirty="0"/>
           </a:p>
@@ -500,7 +502,7 @@
           <a:p>
             <a:fld id="{0512A49D-4A7C-4944-9802-8EE0B5A6CEDD}" type="datetime2">
               <a:rPr lang="en-US" smtClean="0"/>
-              <a:t>Thursday, October 12, 2023</a:t>
+              <a:t>Friday, October 13, 2023</a:t>
             </a:fld>
             <a:endParaRPr lang="en-US"/>
           </a:p>
@@ -713,7 +715,7 @@
           <a:p>
             <a:fld id="{5D689DDD-3B11-4150-8B39-3662C10D8BF9}" type="datetime2">
               <a:rPr lang="en-US" smtClean="0"/>
-              <a:t>Thursday, October 12, 2023</a:t>
+              <a:t>Friday, October 13, 2023</a:t>
             </a:fld>
             <a:endParaRPr lang="en-US"/>
           </a:p>
@@ -937,7 +939,7 @@
           <a:p>
             <a:fld id="{57997BA6-BEF8-495F-ACCD-8D19769E4FC6}" type="datetime2">
               <a:rPr lang="en-US" smtClean="0"/>
-              <a:t>Thursday, October 12, 2023</a:t>
+              <a:t>Friday, October 13, 2023</a:t>
             </a:fld>
             <a:endParaRPr lang="en-US" dirty="0"/>
           </a:p>
@@ -1220,7 +1222,7 @@
           <a:p>
             <a:fld id="{4857292D-4609-4E55-92E3-C12C6A1234E8}" type="datetime2">
               <a:rPr lang="en-US" smtClean="0"/>
-              <a:t>Thursday, October 12, 2023</a:t>
+              <a:t>Friday, October 13, 2023</a:t>
             </a:fld>
             <a:endParaRPr lang="en-US" dirty="0"/>
           </a:p>
@@ -1603,7 +1605,7 @@
           <a:p>
             <a:fld id="{003E0E29-2C79-4A2A-B61C-A21B8362A50A}" type="datetime2">
               <a:rPr lang="en-US" smtClean="0"/>
-              <a:t>Thursday, October 12, 2023</a:t>
+              <a:t>Friday, October 13, 2023</a:t>
             </a:fld>
             <a:endParaRPr lang="en-US"/>
           </a:p>
@@ -2097,7 +2099,7 @@
           <a:p>
             <a:fld id="{B0CA0177-5432-41AC-9593-8EC96BFF4F82}" type="datetime2">
               <a:rPr lang="en-US" smtClean="0"/>
-              <a:t>Thursday, October 12, 2023</a:t>
+              <a:t>Friday, October 13, 2023</a:t>
             </a:fld>
             <a:endParaRPr lang="en-US" dirty="0"/>
           </a:p>
@@ -2253,7 +2255,7 @@
           <a:p>
             <a:fld id="{EED29A7B-B2F1-41A3-B969-4E25F618B967}" type="datetime2">
               <a:rPr lang="en-US" smtClean="0"/>
-              <a:t>Thursday, October 12, 2023</a:t>
+              <a:t>Friday, October 13, 2023</a:t>
             </a:fld>
             <a:endParaRPr lang="en-US" dirty="0"/>
           </a:p>
@@ -2663,7 +2665,7 @@
           <a:p>
             <a:fld id="{4EE98B79-F222-4FD1-8713-07459E1B5004}" type="datetime2">
               <a:rPr lang="en-US" smtClean="0"/>
-              <a:t>Thursday, October 12, 2023</a:t>
+              <a:t>Friday, October 13, 2023</a:t>
             </a:fld>
             <a:endParaRPr lang="en-US"/>
           </a:p>
@@ -2985,7 +2987,7 @@
           <a:p>
             <a:fld id="{792630FD-0818-4065-B5FE-410552D9B1BC}" type="datetime2">
               <a:rPr lang="en-US" smtClean="0"/>
-              <a:t>Thursday, October 12, 2023</a:t>
+              <a:t>Friday, October 13, 2023</a:t>
             </a:fld>
             <a:endParaRPr lang="en-US"/>
           </a:p>
@@ -3287,7 +3289,7 @@
           <a:p>
             <a:fld id="{93C2D289-0EBF-40C7-B6E8-60285281F180}" type="datetime2">
               <a:rPr lang="en-US" smtClean="0"/>
-              <a:t>Thursday, October 12, 2023</a:t>
+              <a:t>Friday, October 13, 2023</a:t>
             </a:fld>
             <a:endParaRPr lang="en-US"/>
           </a:p>
@@ -3822,7 +3824,7 @@
           <a:p>
             <a:fld id="{94CDC665-7415-4DAF-AE09-B9BBC1907393}" type="datetime2">
               <a:rPr lang="en-US" smtClean="0"/>
-              <a:t>Thursday, October 12, 2023</a:t>
+              <a:t>Friday, October 13, 2023</a:t>
             </a:fld>
             <a:endParaRPr lang="en-US" dirty="0"/>
           </a:p>
@@ -5277,42 +5279,6 @@
           </a:p>
         </p:txBody>
       </p:sp>
-      <p:sp>
-        <p:nvSpPr>
-          <p:cNvPr id="2" name="Title 1"/>
-          <p:cNvSpPr>
-            <a:spLocks noGrp="1"/>
-          </p:cNvSpPr>
-          <p:nvPr>
-            <p:ph type="ctrTitle"/>
-          </p:nvPr>
-        </p:nvSpPr>
-        <p:spPr>
-          <a:xfrm>
-            <a:off x="1489039" y="-843155"/>
-            <a:ext cx="9213920" cy="2737570"/>
-          </a:xfrm>
-        </p:spPr>
-        <p:txBody>
-          <a:bodyPr>
-            <a:normAutofit/>
-          </a:bodyPr>
-          <a:lstStyle/>
-          <a:p>
-            <a:r>
-              <a:rPr lang="en-US" sz="9600">
-                <a:ea typeface="Calibri Light"/>
-                <a:cs typeface="Calibri Light"/>
-              </a:rPr>
-              <a:t>MAVEN</a:t>
-            </a:r>
-            <a:endParaRPr lang="en-US" sz="9600" dirty="0">
-              <a:ea typeface="Calibri Light"/>
-              <a:cs typeface="Calibri Light"/>
-            </a:endParaRPr>
-          </a:p>
-        </p:txBody>
-      </p:sp>
       <p:cxnSp>
         <p:nvCxnSpPr>
           <p:cNvPr id="13" name="Straight Connector 12">
@@ -5419,81 +5385,6 @@
           </a:fontRef>
         </p:style>
       </p:cxnSp>
-      <p:sp>
-        <p:nvSpPr>
-          <p:cNvPr id="5" name="Title 1">
-            <a:extLst>
-              <a:ext uri="{FF2B5EF4-FFF2-40B4-BE49-F238E27FC236}">
-                <a16:creationId xmlns:a16="http://schemas.microsoft.com/office/drawing/2014/main" id="{1924819A-2A28-4C4D-7411-7DAE31B64071}"/>
-              </a:ext>
-            </a:extLst>
-          </p:cNvPr>
-          <p:cNvSpPr txBox="1">
-            <a:spLocks/>
-          </p:cNvSpPr>
-          <p:nvPr/>
-        </p:nvSpPr>
-        <p:spPr>
-          <a:xfrm>
-            <a:off x="-1072129" y="5570344"/>
-            <a:ext cx="4716003" cy="599738"/>
-          </a:xfrm>
-          <a:prstGeom prst="rect">
-            <a:avLst/>
-          </a:prstGeom>
-        </p:spPr>
-        <p:txBody>
-          <a:bodyPr vert="horz" lIns="91440" tIns="45720" rIns="91440" bIns="45720" rtlCol="0" anchor="b">
-            <a:noAutofit/>
-          </a:bodyPr>
-          <a:lstStyle>
-            <a:lvl1pPr algn="ctr" defTabSz="914400" rtl="0" eaLnBrk="1" latinLnBrk="0" hangingPunct="1">
-              <a:lnSpc>
-                <a:spcPct val="90000"/>
-              </a:lnSpc>
-              <a:spcBef>
-                <a:spcPct val="0"/>
-              </a:spcBef>
-              <a:buNone/>
-              <a:defRPr sz="5200" kern="1200">
-                <a:solidFill>
-                  <a:schemeClr val="tx2"/>
-                </a:solidFill>
-                <a:latin typeface="+mj-lt"/>
-                <a:ea typeface="+mj-ea"/>
-                <a:cs typeface="+mj-cs"/>
-              </a:defRPr>
-            </a:lvl1pPr>
-          </a:lstStyle>
-          <a:p>
-            <a:r>
-              <a:rPr lang="en-US" sz="3600" b="1">
-                <a:solidFill>
-                  <a:schemeClr val="tx1"/>
-                </a:solidFill>
-                <a:highlight>
-                  <a:srgbClr val="FF0000"/>
-                </a:highlight>
-                <a:latin typeface="Dante"/>
-                <a:ea typeface="Calibri Light"/>
-                <a:cs typeface="Calibri Light"/>
-              </a:rPr>
-              <a:t>Version: 3.9.5</a:t>
-            </a:r>
-            <a:endParaRPr lang="en-US" sz="3600" b="1" dirty="0">
-              <a:solidFill>
-                <a:schemeClr val="tx1"/>
-              </a:solidFill>
-              <a:highlight>
-                <a:srgbClr val="FF0000"/>
-              </a:highlight>
-              <a:latin typeface="Dante"/>
-              <a:ea typeface="Calibri Light"/>
-              <a:cs typeface="Calibri Light"/>
-            </a:endParaRPr>
-          </a:p>
-        </p:txBody>
-      </p:sp>
       <p:pic>
         <p:nvPicPr>
           <p:cNvPr id="4" name="Picture 3">
@@ -5524,6 +5415,31 @@
           </a:prstGeom>
         </p:spPr>
       </p:pic>
+      <p:sp>
+        <p:nvSpPr>
+          <p:cNvPr id="6" name="Title 5">
+            <a:extLst>
+              <a:ext uri="{FF2B5EF4-FFF2-40B4-BE49-F238E27FC236}">
+                <a16:creationId xmlns:a16="http://schemas.microsoft.com/office/drawing/2014/main" id="{D4F1EE8A-3E2D-89CD-102C-C958D2A9968B}"/>
+              </a:ext>
+            </a:extLst>
+          </p:cNvPr>
+          <p:cNvSpPr>
+            <a:spLocks noGrp="1"/>
+          </p:cNvSpPr>
+          <p:nvPr>
+            <p:ph type="ctrTitle"/>
+          </p:nvPr>
+        </p:nvSpPr>
+        <p:spPr/>
+        <p:txBody>
+          <a:bodyPr/>
+          <a:lstStyle/>
+          <a:p>
+            <a:endParaRPr lang="en-US"/>
+          </a:p>
+        </p:txBody>
+      </p:sp>
     </p:spTree>
     <p:extLst>
       <p:ext uri="{BB962C8B-B14F-4D97-AF65-F5344CB8AC3E}">
@@ -6060,7 +5976,7 @@
         </p:nvSpPr>
         <p:spPr>
           <a:xfrm>
-            <a:off x="388371" y="1030094"/>
+            <a:off x="388371" y="1008927"/>
             <a:ext cx="1541004" cy="599738"/>
           </a:xfrm>
           <a:prstGeom prst="rect">
@@ -6092,9 +6008,9 @@
           </a:lstStyle>
           <a:p>
             <a:r>
-              <a:rPr lang="en-US" sz="3200" b="1">
-                <a:solidFill>
-                  <a:schemeClr val="tx1"/>
+              <a:rPr lang="en-US" sz="3200" b="1" dirty="0">
+                <a:solidFill>
+                  <a:schemeClr val="accent1"/>
                 </a:solidFill>
                 <a:latin typeface="Dante"/>
                 <a:ea typeface="Calibri Light"/>
@@ -6105,7 +6021,7 @@
             <a:r>
               <a:rPr lang="en-US" sz="3200" b="1" dirty="0">
                 <a:solidFill>
-                  <a:schemeClr val="tx1"/>
+                  <a:schemeClr val="accent1"/>
                 </a:solidFill>
                 <a:ea typeface="Calibri Light"/>
                 <a:cs typeface="Calibri Light"/>
@@ -6113,9 +6029,9 @@
               <a:t> </a:t>
             </a:r>
             <a:r>
-              <a:rPr lang="en-US" sz="3200" b="1">
-                <a:solidFill>
-                  <a:schemeClr val="tx1"/>
+              <a:rPr lang="en-US" sz="3200" b="1" dirty="0">
+                <a:solidFill>
+                  <a:schemeClr val="accent1"/>
                 </a:solidFill>
                 <a:latin typeface="Dante"/>
                 <a:ea typeface="Calibri Light"/>
@@ -6123,14 +6039,6 @@
               </a:rPr>
               <a:t>:</a:t>
             </a:r>
-            <a:endParaRPr lang="en-US" sz="3200" b="1" dirty="0">
-              <a:solidFill>
-                <a:schemeClr val="tx1"/>
-              </a:solidFill>
-              <a:latin typeface="Dante"/>
-              <a:ea typeface="Calibri Light"/>
-              <a:cs typeface="Calibri Light"/>
-            </a:endParaRPr>
           </a:p>
         </p:txBody>
       </p:sp>
@@ -6150,7 +6058,7 @@
         </p:nvSpPr>
         <p:spPr>
           <a:xfrm>
-            <a:off x="7372" y="2511760"/>
+            <a:off x="39122" y="2194260"/>
             <a:ext cx="9774836" cy="546821"/>
           </a:xfrm>
           <a:prstGeom prst="rect">
@@ -6186,19 +6094,53 @@
               <a:buChar char="Ø"/>
             </a:pPr>
             <a:r>
-              <a:rPr lang="en-US" sz="2800">
-                <a:solidFill>
-                  <a:schemeClr val="tx1"/>
+              <a:rPr lang="en-US" sz="2800" dirty="0">
+                <a:solidFill>
+                  <a:schemeClr val="tx1">
+                    <a:lumMod val="75000"/>
+                    <a:lumOff val="25000"/>
+                  </a:schemeClr>
                 </a:solidFill>
                 <a:latin typeface="Calibri"/>
                 <a:ea typeface="Calibri Light"/>
                 <a:cs typeface="Calibri Light"/>
               </a:rPr>
-              <a:t>UML (Diagramme de Class)</a:t>
+              <a:t>UML (</a:t>
             </a:r>
-            <a:endParaRPr lang="en-US" sz="2800" b="1" dirty="0">
+            <a:r>
+              <a:rPr lang="en-US" sz="2800" dirty="0" err="1">
+                <a:solidFill>
+                  <a:schemeClr val="tx1">
+                    <a:lumMod val="75000"/>
+                    <a:lumOff val="25000"/>
+                  </a:schemeClr>
+                </a:solidFill>
+                <a:latin typeface="Calibri"/>
+                <a:ea typeface="Calibri Light"/>
+                <a:cs typeface="Calibri Light"/>
+              </a:rPr>
+              <a:t>Diagramme</a:t>
+            </a:r>
+            <a:r>
+              <a:rPr lang="en-US" sz="2800" dirty="0">
+                <a:solidFill>
+                  <a:schemeClr val="tx1">
+                    <a:lumMod val="75000"/>
+                    <a:lumOff val="25000"/>
+                  </a:schemeClr>
+                </a:solidFill>
+                <a:latin typeface="Calibri"/>
+                <a:ea typeface="Calibri Light"/>
+                <a:cs typeface="Calibri Light"/>
+              </a:rPr>
+              <a:t> de Class)</a:t>
+            </a:r>
+            <a:endParaRPr lang="en-US" sz="2800" b="1">
               <a:solidFill>
-                <a:schemeClr val="tx1"/>
+                <a:schemeClr val="tx1">
+                  <a:lumMod val="75000"/>
+                  <a:lumOff val="25000"/>
+                </a:schemeClr>
               </a:solidFill>
               <a:latin typeface="Dante"/>
               <a:ea typeface="Calibri Light"/>
@@ -6223,7 +6165,7 @@
         </p:nvSpPr>
         <p:spPr>
           <a:xfrm>
-            <a:off x="-1410795" y="3009176"/>
+            <a:off x="-1379045" y="2691676"/>
             <a:ext cx="9774836" cy="546821"/>
           </a:xfrm>
           <a:prstGeom prst="rect">
@@ -6259,9 +6201,12 @@
               <a:buChar char="Ø"/>
             </a:pPr>
             <a:r>
-              <a:rPr lang="en-US" sz="2800">
-                <a:solidFill>
-                  <a:schemeClr val="tx1"/>
+              <a:rPr lang="en-US" sz="2800" dirty="0">
+                <a:solidFill>
+                  <a:schemeClr val="tx1">
+                    <a:lumMod val="75000"/>
+                    <a:lumOff val="25000"/>
+                  </a:schemeClr>
                 </a:solidFill>
                 <a:latin typeface="Calibri"/>
                 <a:ea typeface="Calibri Light"/>
@@ -6269,9 +6214,12 @@
               </a:rPr>
               <a:t>Servlet</a:t>
             </a:r>
-            <a:endParaRPr lang="en-US" sz="2800" b="1">
+            <a:endParaRPr lang="en-US" sz="2800" b="1" dirty="0">
               <a:solidFill>
-                <a:schemeClr val="tx1"/>
+                <a:schemeClr val="tx1">
+                  <a:lumMod val="75000"/>
+                  <a:lumOff val="25000"/>
+                </a:schemeClr>
               </a:solidFill>
               <a:latin typeface="Dante"/>
               <a:ea typeface="Calibri Light"/>
@@ -6296,7 +6244,7 @@
         </p:nvSpPr>
         <p:spPr>
           <a:xfrm>
-            <a:off x="-98462" y="3982843"/>
+            <a:off x="-66712" y="3665343"/>
             <a:ext cx="9774836" cy="546821"/>
           </a:xfrm>
           <a:prstGeom prst="rect">
@@ -6332,19 +6280,53 @@
               <a:buChar char="Ø"/>
             </a:pPr>
             <a:r>
-              <a:rPr lang="en-US" sz="2800">
-                <a:solidFill>
-                  <a:schemeClr val="tx1"/>
+              <a:rPr lang="en-US" sz="2800" dirty="0">
+                <a:solidFill>
+                  <a:schemeClr val="tx1">
+                    <a:lumMod val="75000"/>
+                    <a:lumOff val="25000"/>
+                  </a:schemeClr>
                 </a:solidFill>
                 <a:latin typeface="Calibri"/>
                 <a:ea typeface="Calibri Light"/>
                 <a:cs typeface="Calibri Light"/>
               </a:rPr>
-              <a:t>Java Presistence API (JPA)</a:t>
+              <a:t>Java </a:t>
+            </a:r>
+            <a:r>
+              <a:rPr lang="en-US" sz="2800" dirty="0" err="1">
+                <a:solidFill>
+                  <a:schemeClr val="tx1">
+                    <a:lumMod val="75000"/>
+                    <a:lumOff val="25000"/>
+                  </a:schemeClr>
+                </a:solidFill>
+                <a:latin typeface="Calibri"/>
+                <a:ea typeface="Calibri Light"/>
+                <a:cs typeface="Calibri Light"/>
+              </a:rPr>
+              <a:t>Presistence</a:t>
+            </a:r>
+            <a:r>
+              <a:rPr lang="en-US" sz="2800" dirty="0">
+                <a:solidFill>
+                  <a:schemeClr val="tx1">
+                    <a:lumMod val="75000"/>
+                    <a:lumOff val="25000"/>
+                  </a:schemeClr>
+                </a:solidFill>
+                <a:latin typeface="Calibri"/>
+                <a:ea typeface="Calibri Light"/>
+                <a:cs typeface="Calibri Light"/>
+              </a:rPr>
+              <a:t> API (JPA)</a:t>
             </a:r>
             <a:endParaRPr lang="en-US" sz="2800" b="1">
               <a:solidFill>
-                <a:schemeClr val="tx1"/>
+                <a:schemeClr val="tx1">
+                  <a:lumMod val="75000"/>
+                  <a:lumOff val="25000"/>
+                </a:schemeClr>
               </a:solidFill>
               <a:latin typeface="Dante"/>
               <a:ea typeface="Calibri Light"/>
@@ -6369,7 +6351,7 @@
         </p:nvSpPr>
         <p:spPr>
           <a:xfrm>
-            <a:off x="-1220295" y="4469675"/>
+            <a:off x="-1188545" y="4152175"/>
             <a:ext cx="9774836" cy="546821"/>
           </a:xfrm>
           <a:prstGeom prst="rect">
@@ -6405,9 +6387,12 @@
               <a:buChar char="Ø"/>
             </a:pPr>
             <a:r>
-              <a:rPr lang="en-US" sz="2800">
-                <a:solidFill>
-                  <a:schemeClr val="tx1"/>
+              <a:rPr lang="en-US" sz="2800" dirty="0">
+                <a:solidFill>
+                  <a:schemeClr val="tx1">
+                    <a:lumMod val="75000"/>
+                    <a:lumOff val="25000"/>
+                  </a:schemeClr>
                 </a:solidFill>
                 <a:latin typeface="Calibri"/>
                 <a:ea typeface="Calibri Light"/>
@@ -6434,7 +6419,7 @@
         </p:nvSpPr>
         <p:spPr>
           <a:xfrm>
-            <a:off x="-1410795" y="5020010"/>
+            <a:off x="-1379045" y="4702510"/>
             <a:ext cx="9774836" cy="546821"/>
           </a:xfrm>
           <a:prstGeom prst="rect">
@@ -6470,9 +6455,12 @@
               <a:buChar char="Ø"/>
             </a:pPr>
             <a:r>
-              <a:rPr lang="en-US" sz="2800">
-                <a:solidFill>
-                  <a:schemeClr val="tx1"/>
+              <a:rPr lang="en-US" sz="2800" dirty="0" err="1">
+                <a:solidFill>
+                  <a:schemeClr val="tx1">
+                    <a:lumMod val="75000"/>
+                    <a:lumOff val="25000"/>
+                  </a:schemeClr>
                 </a:solidFill>
                 <a:latin typeface="Calibri"/>
                 <a:ea typeface="Calibri Light"/>
@@ -6480,6 +6468,17 @@
               </a:rPr>
               <a:t>TomCat</a:t>
             </a:r>
+            <a:endParaRPr lang="en-US" sz="2800">
+              <a:solidFill>
+                <a:schemeClr val="tx1">
+                  <a:lumMod val="75000"/>
+                  <a:lumOff val="25000"/>
+                </a:schemeClr>
+              </a:solidFill>
+              <a:latin typeface="Calibri"/>
+              <a:ea typeface="Calibri Light"/>
+              <a:cs typeface="Calibri Light"/>
+            </a:endParaRPr>
           </a:p>
         </p:txBody>
       </p:sp>
@@ -6499,7 +6498,7 @@
         </p:nvSpPr>
         <p:spPr>
           <a:xfrm>
-            <a:off x="60288" y="3506592"/>
+            <a:off x="92038" y="3189092"/>
             <a:ext cx="9774836" cy="546821"/>
           </a:xfrm>
           <a:prstGeom prst="rect">
@@ -6535,19 +6534,53 @@
               <a:buChar char="Ø"/>
             </a:pPr>
             <a:r>
-              <a:rPr lang="en-US" sz="2800">
-                <a:solidFill>
-                  <a:schemeClr val="tx1"/>
+              <a:rPr lang="en-US" sz="2800" dirty="0">
+                <a:solidFill>
+                  <a:schemeClr val="tx1">
+                    <a:lumMod val="75000"/>
+                    <a:lumOff val="25000"/>
+                  </a:schemeClr>
                 </a:solidFill>
                 <a:latin typeface="Calibri"/>
                 <a:ea typeface="Calibri Light"/>
                 <a:cs typeface="Calibri Light"/>
               </a:rPr>
-              <a:t>Java Presistence Pages (JSP)</a:t>
+              <a:t>Java </a:t>
+            </a:r>
+            <a:r>
+              <a:rPr lang="en-US" sz="2800" dirty="0" err="1">
+                <a:solidFill>
+                  <a:schemeClr val="tx1">
+                    <a:lumMod val="75000"/>
+                    <a:lumOff val="25000"/>
+                  </a:schemeClr>
+                </a:solidFill>
+                <a:latin typeface="Calibri"/>
+                <a:ea typeface="Calibri Light"/>
+                <a:cs typeface="Calibri Light"/>
+              </a:rPr>
+              <a:t>Presistence</a:t>
+            </a:r>
+            <a:r>
+              <a:rPr lang="en-US" sz="2800" dirty="0">
+                <a:solidFill>
+                  <a:schemeClr val="tx1">
+                    <a:lumMod val="75000"/>
+                    <a:lumOff val="25000"/>
+                  </a:schemeClr>
+                </a:solidFill>
+                <a:latin typeface="Calibri"/>
+                <a:ea typeface="Calibri Light"/>
+                <a:cs typeface="Calibri Light"/>
+              </a:rPr>
+              <a:t> Pages (JSP)</a:t>
             </a:r>
             <a:endParaRPr lang="en-US" sz="2800" b="1">
               <a:solidFill>
-                <a:schemeClr val="tx1"/>
+                <a:schemeClr val="tx1">
+                  <a:lumMod val="75000"/>
+                  <a:lumOff val="25000"/>
+                </a:schemeClr>
               </a:solidFill>
               <a:latin typeface="Dante"/>
               <a:ea typeface="Calibri Light"/>
@@ -6572,7 +6605,7 @@
         </p:nvSpPr>
         <p:spPr>
           <a:xfrm>
-            <a:off x="-1474294" y="5517426"/>
+            <a:off x="-1442544" y="5199926"/>
             <a:ext cx="9774836" cy="546821"/>
           </a:xfrm>
           <a:prstGeom prst="rect">
@@ -6608,16 +6641,26 @@
               <a:buChar char="Ø"/>
             </a:pPr>
             <a:r>
-              <a:rPr lang="en-US" sz="2800">
-                <a:solidFill>
-                  <a:schemeClr val="tx1"/>
+              <a:rPr lang="en-US" sz="2800" dirty="0">
+                <a:solidFill>
+                  <a:schemeClr val="tx1">
+                    <a:lumMod val="75000"/>
+                    <a:lumOff val="25000"/>
+                  </a:schemeClr>
                 </a:solidFill>
                 <a:latin typeface="Calibri"/>
                 <a:cs typeface="Calibri Light"/>
               </a:rPr>
               <a:t>Maven</a:t>
             </a:r>
-            <a:endParaRPr lang="en-US"/>
+            <a:endParaRPr lang="en-US">
+              <a:solidFill>
+                <a:schemeClr val="tx1">
+                  <a:lumMod val="75000"/>
+                  <a:lumOff val="25000"/>
+                </a:schemeClr>
+              </a:solidFill>
+            </a:endParaRPr>
           </a:p>
         </p:txBody>
       </p:sp>
@@ -6637,7 +6680,7 @@
         </p:nvSpPr>
         <p:spPr>
           <a:xfrm>
-            <a:off x="-1220296" y="1897925"/>
+            <a:off x="-1188546" y="1580425"/>
             <a:ext cx="9774836" cy="546821"/>
           </a:xfrm>
           <a:prstGeom prst="rect">
@@ -6673,9 +6716,12 @@
               <a:buChar char="Ø"/>
             </a:pPr>
             <a:r>
-              <a:rPr lang="en-US" sz="2800">
-                <a:solidFill>
-                  <a:schemeClr val="tx1"/>
+              <a:rPr lang="en-US" sz="2800" dirty="0">
+                <a:solidFill>
+                  <a:schemeClr val="tx1">
+                    <a:lumMod val="75000"/>
+                    <a:lumOff val="25000"/>
+                  </a:schemeClr>
                 </a:solidFill>
                 <a:latin typeface="Calibri"/>
                 <a:ea typeface="Calibri Light"/>
@@ -6683,14 +6729,6 @@
               </a:rPr>
               <a:t>Jakarta EE</a:t>
             </a:r>
-            <a:endParaRPr lang="en-US" sz="2800" dirty="0">
-              <a:solidFill>
-                <a:schemeClr val="tx1"/>
-              </a:solidFill>
-              <a:latin typeface="Calibri"/>
-              <a:ea typeface="Calibri Light"/>
-              <a:cs typeface="Calibri Light"/>
-            </a:endParaRPr>
           </a:p>
         </p:txBody>
       </p:sp>
@@ -7216,10 +7254,10 @@
       </p:cxnSp>
       <p:pic>
         <p:nvPicPr>
-          <p:cNvPr id="3" name="Picture 2">
-            <a:extLst>
-              <a:ext uri="{FF2B5EF4-FFF2-40B4-BE49-F238E27FC236}">
-                <a16:creationId xmlns:a16="http://schemas.microsoft.com/office/drawing/2014/main" id="{024FA2E6-FC9C-E014-4828-DD3DFEB4B623}"/>
+          <p:cNvPr id="2" name="Picture 1" descr="A diagram of a function&#10;&#10;Description automatically generated">
+            <a:extLst>
+              <a:ext uri="{FF2B5EF4-FFF2-40B4-BE49-F238E27FC236}">
+                <a16:creationId xmlns:a16="http://schemas.microsoft.com/office/drawing/2014/main" id="{1156C195-D027-514A-C728-9BB9C289E357}"/>
               </a:ext>
             </a:extLst>
           </p:cNvPr>
@@ -7236,8 +7274,8 @@
         </p:blipFill>
         <p:spPr>
           <a:xfrm>
-            <a:off x="63732" y="-2931"/>
-            <a:ext cx="12354325" cy="6941062"/>
+            <a:off x="2021906" y="782697"/>
+            <a:ext cx="7892698" cy="5384800"/>
           </a:xfrm>
           <a:prstGeom prst="rect">
             <a:avLst/>
@@ -7658,42 +7696,6 @@
           </a:p>
         </p:txBody>
       </p:sp>
-      <p:sp>
-        <p:nvSpPr>
-          <p:cNvPr id="2" name="Title 1"/>
-          <p:cNvSpPr>
-            <a:spLocks noGrp="1"/>
-          </p:cNvSpPr>
-          <p:nvPr>
-            <p:ph type="ctrTitle"/>
-          </p:nvPr>
-        </p:nvSpPr>
-        <p:spPr>
-          <a:xfrm>
-            <a:off x="1489039" y="-843155"/>
-            <a:ext cx="9213920" cy="2737570"/>
-          </a:xfrm>
-        </p:spPr>
-        <p:txBody>
-          <a:bodyPr>
-            <a:normAutofit/>
-          </a:bodyPr>
-          <a:lstStyle/>
-          <a:p>
-            <a:r>
-              <a:rPr lang="en-US" sz="9600">
-                <a:ea typeface="Calibri Light"/>
-                <a:cs typeface="Calibri Light"/>
-              </a:rPr>
-              <a:t>Jakarta EE</a:t>
-            </a:r>
-            <a:endParaRPr lang="en-US" sz="9600" dirty="0">
-              <a:ea typeface="Calibri Light"/>
-              <a:cs typeface="Calibri Light"/>
-            </a:endParaRPr>
-          </a:p>
-        </p:txBody>
-      </p:sp>
       <p:cxnSp>
         <p:nvCxnSpPr>
           <p:cNvPr id="13" name="Straight Connector 12">
@@ -7800,81 +7802,6 @@
           </a:fontRef>
         </p:style>
       </p:cxnSp>
-      <p:sp>
-        <p:nvSpPr>
-          <p:cNvPr id="5" name="Title 1">
-            <a:extLst>
-              <a:ext uri="{FF2B5EF4-FFF2-40B4-BE49-F238E27FC236}">
-                <a16:creationId xmlns:a16="http://schemas.microsoft.com/office/drawing/2014/main" id="{1924819A-2A28-4C4D-7411-7DAE31B64071}"/>
-              </a:ext>
-            </a:extLst>
-          </p:cNvPr>
-          <p:cNvSpPr txBox="1">
-            <a:spLocks/>
-          </p:cNvSpPr>
-          <p:nvPr/>
-        </p:nvSpPr>
-        <p:spPr>
-          <a:xfrm>
-            <a:off x="-1400212" y="5570344"/>
-            <a:ext cx="4716003" cy="599738"/>
-          </a:xfrm>
-          <a:prstGeom prst="rect">
-            <a:avLst/>
-          </a:prstGeom>
-        </p:spPr>
-        <p:txBody>
-          <a:bodyPr vert="horz" lIns="91440" tIns="45720" rIns="91440" bIns="45720" rtlCol="0" anchor="b">
-            <a:noAutofit/>
-          </a:bodyPr>
-          <a:lstStyle>
-            <a:lvl1pPr algn="ctr" defTabSz="914400" rtl="0" eaLnBrk="1" latinLnBrk="0" hangingPunct="1">
-              <a:lnSpc>
-                <a:spcPct val="90000"/>
-              </a:lnSpc>
-              <a:spcBef>
-                <a:spcPct val="0"/>
-              </a:spcBef>
-              <a:buNone/>
-              <a:defRPr sz="5200" kern="1200">
-                <a:solidFill>
-                  <a:schemeClr val="tx2"/>
-                </a:solidFill>
-                <a:latin typeface="+mj-lt"/>
-                <a:ea typeface="+mj-ea"/>
-                <a:cs typeface="+mj-cs"/>
-              </a:defRPr>
-            </a:lvl1pPr>
-          </a:lstStyle>
-          <a:p>
-            <a:r>
-              <a:rPr lang="en-US" sz="3600" b="1">
-                <a:solidFill>
-                  <a:schemeClr val="tx1"/>
-                </a:solidFill>
-                <a:highlight>
-                  <a:srgbClr val="FF0000"/>
-                </a:highlight>
-                <a:latin typeface="Dante"/>
-                <a:ea typeface="Calibri Light"/>
-                <a:cs typeface="Calibri Light"/>
-              </a:rPr>
-              <a:t>Version: 9</a:t>
-            </a:r>
-            <a:endParaRPr lang="en-US" sz="3600" b="1" dirty="0">
-              <a:solidFill>
-                <a:schemeClr val="tx1"/>
-              </a:solidFill>
-              <a:highlight>
-                <a:srgbClr val="FF0000"/>
-              </a:highlight>
-              <a:latin typeface="Dante"/>
-              <a:ea typeface="Calibri Light"/>
-              <a:cs typeface="Calibri Light"/>
-            </a:endParaRPr>
-          </a:p>
-        </p:txBody>
-      </p:sp>
       <p:pic>
         <p:nvPicPr>
           <p:cNvPr id="3" name="Picture 2" descr="A logo of a ship&#10;&#10;Description automatically generated">
@@ -7897,7 +7824,7 @@
         </p:blipFill>
         <p:spPr>
           <a:xfrm>
-            <a:off x="3576108" y="2016654"/>
+            <a:off x="3279775" y="1265237"/>
             <a:ext cx="5039783" cy="3856566"/>
           </a:xfrm>
           <a:prstGeom prst="rect">
@@ -8319,38 +8246,6 @@
           </a:p>
         </p:txBody>
       </p:sp>
-      <p:sp>
-        <p:nvSpPr>
-          <p:cNvPr id="2" name="Title 1"/>
-          <p:cNvSpPr>
-            <a:spLocks noGrp="1"/>
-          </p:cNvSpPr>
-          <p:nvPr>
-            <p:ph type="ctrTitle"/>
-          </p:nvPr>
-        </p:nvSpPr>
-        <p:spPr>
-          <a:xfrm>
-            <a:off x="1425539" y="-567988"/>
-            <a:ext cx="9213920" cy="2737570"/>
-          </a:xfrm>
-        </p:spPr>
-        <p:txBody>
-          <a:bodyPr>
-            <a:normAutofit/>
-          </a:bodyPr>
-          <a:lstStyle/>
-          <a:p>
-            <a:r>
-              <a:rPr lang="en-US" sz="9600" dirty="0">
-                <a:ea typeface="Calibri Light"/>
-                <a:cs typeface="Calibri Light"/>
-              </a:rPr>
-              <a:t>Servlet</a:t>
-            </a:r>
-          </a:p>
-        </p:txBody>
-      </p:sp>
       <p:cxnSp>
         <p:nvCxnSpPr>
           <p:cNvPr id="13" name="Straight Connector 12">
@@ -8487,145 +8382,6 @@
           </a:prstGeom>
         </p:spPr>
       </p:pic>
-      <p:sp>
-        <p:nvSpPr>
-          <p:cNvPr id="5" name="Title 1">
-            <a:extLst>
-              <a:ext uri="{FF2B5EF4-FFF2-40B4-BE49-F238E27FC236}">
-                <a16:creationId xmlns:a16="http://schemas.microsoft.com/office/drawing/2014/main" id="{324C432F-2513-F8F6-E340-A8ADB7C76993}"/>
-              </a:ext>
-            </a:extLst>
-          </p:cNvPr>
-          <p:cNvSpPr txBox="1">
-            <a:spLocks/>
-          </p:cNvSpPr>
-          <p:nvPr/>
-        </p:nvSpPr>
-        <p:spPr>
-          <a:xfrm>
-            <a:off x="-860462" y="5570344"/>
-            <a:ext cx="4716003" cy="599738"/>
-          </a:xfrm>
-          <a:prstGeom prst="rect">
-            <a:avLst/>
-          </a:prstGeom>
-        </p:spPr>
-        <p:txBody>
-          <a:bodyPr vert="horz" lIns="91440" tIns="45720" rIns="91440" bIns="45720" rtlCol="0" anchor="b">
-            <a:noAutofit/>
-          </a:bodyPr>
-          <a:lstStyle>
-            <a:lvl1pPr algn="ctr" defTabSz="914400" rtl="0" eaLnBrk="1" latinLnBrk="0" hangingPunct="1">
-              <a:lnSpc>
-                <a:spcPct val="90000"/>
-              </a:lnSpc>
-              <a:spcBef>
-                <a:spcPct val="0"/>
-              </a:spcBef>
-              <a:buNone/>
-              <a:defRPr sz="5200" kern="1200">
-                <a:solidFill>
-                  <a:schemeClr val="tx2"/>
-                </a:solidFill>
-                <a:latin typeface="+mj-lt"/>
-                <a:ea typeface="+mj-ea"/>
-                <a:cs typeface="+mj-cs"/>
-              </a:defRPr>
-            </a:lvl1pPr>
-          </a:lstStyle>
-          <a:p>
-            <a:r>
-              <a:rPr lang="en-US" sz="3600" b="1">
-                <a:solidFill>
-                  <a:schemeClr val="tx1"/>
-                </a:solidFill>
-                <a:highlight>
-                  <a:srgbClr val="FF0000"/>
-                </a:highlight>
-                <a:latin typeface="Dante"/>
-                <a:ea typeface="Calibri Light"/>
-                <a:cs typeface="Calibri Light"/>
-              </a:rPr>
-              <a:t>Version: 6.0.0</a:t>
-            </a:r>
-            <a:endParaRPr lang="en-US" sz="3600" b="1" dirty="0">
-              <a:solidFill>
-                <a:schemeClr val="tx1"/>
-              </a:solidFill>
-              <a:highlight>
-                <a:srgbClr val="FF0000"/>
-              </a:highlight>
-              <a:latin typeface="Dante"/>
-              <a:ea typeface="Calibri Light"/>
-              <a:cs typeface="Calibri Light"/>
-            </a:endParaRPr>
-          </a:p>
-        </p:txBody>
-      </p:sp>
-      <p:sp>
-        <p:nvSpPr>
-          <p:cNvPr id="8" name="Title 1">
-            <a:extLst>
-              <a:ext uri="{FF2B5EF4-FFF2-40B4-BE49-F238E27FC236}">
-                <a16:creationId xmlns:a16="http://schemas.microsoft.com/office/drawing/2014/main" id="{60FF2716-EFA7-5C49-F80E-9661273452D4}"/>
-              </a:ext>
-            </a:extLst>
-          </p:cNvPr>
-          <p:cNvSpPr txBox="1">
-            <a:spLocks/>
-          </p:cNvSpPr>
-          <p:nvPr/>
-        </p:nvSpPr>
-        <p:spPr>
-          <a:xfrm>
-            <a:off x="8389371" y="5559761"/>
-            <a:ext cx="4716003" cy="599738"/>
-          </a:xfrm>
-          <a:prstGeom prst="rect">
-            <a:avLst/>
-          </a:prstGeom>
-        </p:spPr>
-        <p:txBody>
-          <a:bodyPr vert="horz" lIns="91440" tIns="45720" rIns="91440" bIns="45720" rtlCol="0" anchor="b">
-            <a:noAutofit/>
-          </a:bodyPr>
-          <a:lstStyle>
-            <a:lvl1pPr algn="ctr" defTabSz="914400" rtl="0" eaLnBrk="1" latinLnBrk="0" hangingPunct="1">
-              <a:lnSpc>
-                <a:spcPct val="90000"/>
-              </a:lnSpc>
-              <a:spcBef>
-                <a:spcPct val="0"/>
-              </a:spcBef>
-              <a:buNone/>
-              <a:defRPr sz="5200" kern="1200">
-                <a:solidFill>
-                  <a:schemeClr val="tx2"/>
-                </a:solidFill>
-                <a:latin typeface="+mj-lt"/>
-                <a:ea typeface="+mj-ea"/>
-                <a:cs typeface="+mj-cs"/>
-              </a:defRPr>
-            </a:lvl1pPr>
-          </a:lstStyle>
-          <a:p>
-            <a:r>
-              <a:rPr lang="en-US" sz="3600" b="1">
-                <a:solidFill>
-                  <a:schemeClr val="tx1"/>
-                </a:solidFill>
-                <a:highlight>
-                  <a:srgbClr val="FF0000"/>
-                </a:highlight>
-                <a:latin typeface="Dante"/>
-                <a:cs typeface="Calibri Light"/>
-              </a:rPr>
-              <a:t>Jakarta Servlet</a:t>
-            </a:r>
-            <a:endParaRPr lang="en-US"/>
-          </a:p>
-        </p:txBody>
-      </p:sp>
     </p:spTree>
     <p:extLst>
       <p:ext uri="{BB962C8B-B14F-4D97-AF65-F5344CB8AC3E}">
@@ -9040,38 +8796,6 @@
           </a:p>
         </p:txBody>
       </p:sp>
-      <p:sp>
-        <p:nvSpPr>
-          <p:cNvPr id="2" name="Title 1"/>
-          <p:cNvSpPr>
-            <a:spLocks noGrp="1"/>
-          </p:cNvSpPr>
-          <p:nvPr>
-            <p:ph type="ctrTitle"/>
-          </p:nvPr>
-        </p:nvSpPr>
-        <p:spPr>
-          <a:xfrm>
-            <a:off x="1753622" y="-747905"/>
-            <a:ext cx="9213920" cy="2737570"/>
-          </a:xfrm>
-        </p:spPr>
-        <p:txBody>
-          <a:bodyPr>
-            <a:normAutofit/>
-          </a:bodyPr>
-          <a:lstStyle/>
-          <a:p>
-            <a:r>
-              <a:rPr lang="en-US" sz="9600" dirty="0">
-                <a:ea typeface="Calibri Light"/>
-                <a:cs typeface="Calibri Light"/>
-              </a:rPr>
-              <a:t>Java Server Pages</a:t>
-            </a:r>
-          </a:p>
-        </p:txBody>
-      </p:sp>
       <p:cxnSp>
         <p:nvCxnSpPr>
           <p:cNvPr id="13" name="Straight Connector 12">
@@ -9208,6 +8932,31 @@
           </a:prstGeom>
         </p:spPr>
       </p:pic>
+      <p:sp>
+        <p:nvSpPr>
+          <p:cNvPr id="5" name="Title 4">
+            <a:extLst>
+              <a:ext uri="{FF2B5EF4-FFF2-40B4-BE49-F238E27FC236}">
+                <a16:creationId xmlns:a16="http://schemas.microsoft.com/office/drawing/2014/main" id="{FC53AF26-4A60-53CE-9DA7-EEC2708DBF6A}"/>
+              </a:ext>
+            </a:extLst>
+          </p:cNvPr>
+          <p:cNvSpPr>
+            <a:spLocks noGrp="1"/>
+          </p:cNvSpPr>
+          <p:nvPr>
+            <p:ph type="ctrTitle"/>
+          </p:nvPr>
+        </p:nvSpPr>
+        <p:spPr/>
+        <p:txBody>
+          <a:bodyPr/>
+          <a:lstStyle/>
+          <a:p>
+            <a:endParaRPr lang="en-US"/>
+          </a:p>
+        </p:txBody>
+      </p:sp>
     </p:spTree>
     <p:extLst>
       <p:ext uri="{BB962C8B-B14F-4D97-AF65-F5344CB8AC3E}">
@@ -9622,53 +9371,6 @@
           </a:p>
         </p:txBody>
       </p:sp>
-      <p:sp>
-        <p:nvSpPr>
-          <p:cNvPr id="2" name="Title 1"/>
-          <p:cNvSpPr>
-            <a:spLocks noGrp="1"/>
-          </p:cNvSpPr>
-          <p:nvPr>
-            <p:ph type="ctrTitle"/>
-          </p:nvPr>
-        </p:nvSpPr>
-        <p:spPr>
-          <a:xfrm>
-            <a:off x="1573705" y="-896071"/>
-            <a:ext cx="9213920" cy="2737570"/>
-          </a:xfrm>
-        </p:spPr>
-        <p:txBody>
-          <a:bodyPr>
-            <a:normAutofit fontScale="90000"/>
-          </a:bodyPr>
-          <a:lstStyle/>
-          <a:p>
-            <a:r>
-              <a:rPr lang="en-US" sz="9600" dirty="0">
-                <a:ea typeface="Calibri Light"/>
-                <a:cs typeface="Calibri Light"/>
-              </a:rPr>
-              <a:t>Java </a:t>
-            </a:r>
-            <a:r>
-              <a:rPr lang="en-US" sz="9600" dirty="0" err="1">
-                <a:ea typeface="Calibri Light"/>
-                <a:cs typeface="Calibri Light"/>
-              </a:rPr>
-              <a:t>Presistence</a:t>
-            </a:r>
-            <a:r>
-              <a:rPr lang="en-US" sz="9600" dirty="0">
-                <a:ea typeface="Calibri Light"/>
-                <a:cs typeface="Calibri Light"/>
-              </a:rPr>
-              <a:t> Api</a:t>
-            </a:r>
-            <a:endParaRPr lang="en-US" dirty="0"/>
-          </a:p>
-        </p:txBody>
-      </p:sp>
       <p:cxnSp>
         <p:nvCxnSpPr>
           <p:cNvPr id="13" name="Straight Connector 12">
@@ -9805,145 +9507,6 @@
           </a:prstGeom>
         </p:spPr>
       </p:pic>
-      <p:sp>
-        <p:nvSpPr>
-          <p:cNvPr id="5" name="Title 1">
-            <a:extLst>
-              <a:ext uri="{FF2B5EF4-FFF2-40B4-BE49-F238E27FC236}">
-                <a16:creationId xmlns:a16="http://schemas.microsoft.com/office/drawing/2014/main" id="{01CE4E65-0943-85A6-0622-3FED2C4F00BE}"/>
-              </a:ext>
-            </a:extLst>
-          </p:cNvPr>
-          <p:cNvSpPr txBox="1">
-            <a:spLocks/>
-          </p:cNvSpPr>
-          <p:nvPr/>
-        </p:nvSpPr>
-        <p:spPr>
-          <a:xfrm>
-            <a:off x="-648795" y="5570344"/>
-            <a:ext cx="4716003" cy="599738"/>
-          </a:xfrm>
-          <a:prstGeom prst="rect">
-            <a:avLst/>
-          </a:prstGeom>
-        </p:spPr>
-        <p:txBody>
-          <a:bodyPr vert="horz" lIns="91440" tIns="45720" rIns="91440" bIns="45720" rtlCol="0" anchor="b">
-            <a:noAutofit/>
-          </a:bodyPr>
-          <a:lstStyle>
-            <a:lvl1pPr algn="ctr" defTabSz="914400" rtl="0" eaLnBrk="1" latinLnBrk="0" hangingPunct="1">
-              <a:lnSpc>
-                <a:spcPct val="90000"/>
-              </a:lnSpc>
-              <a:spcBef>
-                <a:spcPct val="0"/>
-              </a:spcBef>
-              <a:buNone/>
-              <a:defRPr sz="5200" kern="1200">
-                <a:solidFill>
-                  <a:schemeClr val="tx2"/>
-                </a:solidFill>
-                <a:latin typeface="+mj-lt"/>
-                <a:ea typeface="+mj-ea"/>
-                <a:cs typeface="+mj-cs"/>
-              </a:defRPr>
-            </a:lvl1pPr>
-          </a:lstStyle>
-          <a:p>
-            <a:r>
-              <a:rPr lang="en-US" sz="3600" b="1">
-                <a:solidFill>
-                  <a:schemeClr val="tx1"/>
-                </a:solidFill>
-                <a:highlight>
-                  <a:srgbClr val="FF0000"/>
-                </a:highlight>
-                <a:latin typeface="Dante"/>
-                <a:ea typeface="Calibri Light"/>
-                <a:cs typeface="Calibri Light"/>
-              </a:rPr>
-              <a:t>Version: 1.0.2 Final</a:t>
-            </a:r>
-            <a:endParaRPr lang="en-US" sz="3600" b="1" dirty="0">
-              <a:solidFill>
-                <a:schemeClr val="tx1"/>
-              </a:solidFill>
-              <a:highlight>
-                <a:srgbClr val="FF0000"/>
-              </a:highlight>
-              <a:latin typeface="Dante"/>
-              <a:ea typeface="Calibri Light"/>
-              <a:cs typeface="Calibri Light"/>
-            </a:endParaRPr>
-          </a:p>
-        </p:txBody>
-      </p:sp>
-      <p:sp>
-        <p:nvSpPr>
-          <p:cNvPr id="6" name="Title 1">
-            <a:extLst>
-              <a:ext uri="{FF2B5EF4-FFF2-40B4-BE49-F238E27FC236}">
-                <a16:creationId xmlns:a16="http://schemas.microsoft.com/office/drawing/2014/main" id="{9B67BD86-E424-37CF-EEA0-E9DF7D880A3F}"/>
-              </a:ext>
-            </a:extLst>
-          </p:cNvPr>
-          <p:cNvSpPr txBox="1">
-            <a:spLocks/>
-          </p:cNvSpPr>
-          <p:nvPr/>
-        </p:nvSpPr>
-        <p:spPr>
-          <a:xfrm>
-            <a:off x="8505788" y="5623261"/>
-            <a:ext cx="4716003" cy="599738"/>
-          </a:xfrm>
-          <a:prstGeom prst="rect">
-            <a:avLst/>
-          </a:prstGeom>
-        </p:spPr>
-        <p:txBody>
-          <a:bodyPr vert="horz" lIns="91440" tIns="45720" rIns="91440" bIns="45720" rtlCol="0" anchor="b">
-            <a:noAutofit/>
-          </a:bodyPr>
-          <a:lstStyle>
-            <a:lvl1pPr algn="ctr" defTabSz="914400" rtl="0" eaLnBrk="1" latinLnBrk="0" hangingPunct="1">
-              <a:lnSpc>
-                <a:spcPct val="90000"/>
-              </a:lnSpc>
-              <a:spcBef>
-                <a:spcPct val="0"/>
-              </a:spcBef>
-              <a:buNone/>
-              <a:defRPr sz="5200" kern="1200">
-                <a:solidFill>
-                  <a:schemeClr val="tx2"/>
-                </a:solidFill>
-                <a:latin typeface="+mj-lt"/>
-                <a:ea typeface="+mj-ea"/>
-                <a:cs typeface="+mj-cs"/>
-              </a:defRPr>
-            </a:lvl1pPr>
-          </a:lstStyle>
-          <a:p>
-            <a:r>
-              <a:rPr lang="en-US" sz="3600" b="1">
-                <a:solidFill>
-                  <a:schemeClr val="tx1"/>
-                </a:solidFill>
-                <a:highlight>
-                  <a:srgbClr val="FF0000"/>
-                </a:highlight>
-                <a:latin typeface="Dante"/>
-                <a:cs typeface="Calibri Light"/>
-              </a:rPr>
-              <a:t>Hibernate JPA</a:t>
-            </a:r>
-            <a:endParaRPr lang="en-US"/>
-          </a:p>
-        </p:txBody>
-      </p:sp>
     </p:spTree>
     <p:extLst>
       <p:ext uri="{BB962C8B-B14F-4D97-AF65-F5344CB8AC3E}">
@@ -10358,40 +9921,6 @@
           </a:p>
         </p:txBody>
       </p:sp>
-      <p:sp>
-        <p:nvSpPr>
-          <p:cNvPr id="2" name="Title 1"/>
-          <p:cNvSpPr>
-            <a:spLocks noGrp="1"/>
-          </p:cNvSpPr>
-          <p:nvPr>
-            <p:ph type="ctrTitle"/>
-          </p:nvPr>
-        </p:nvSpPr>
-        <p:spPr>
-          <a:xfrm>
-            <a:off x="1499622" y="-747904"/>
-            <a:ext cx="9213920" cy="2737570"/>
-          </a:xfrm>
-        </p:spPr>
-        <p:txBody>
-          <a:bodyPr>
-            <a:normAutofit/>
-          </a:bodyPr>
-          <a:lstStyle/>
-          <a:p>
-            <a:r>
-              <a:rPr lang="en-US" sz="9600">
-                <a:cs typeface="Calibri Light"/>
-              </a:rPr>
-              <a:t>Hibernate</a:t>
-            </a:r>
-            <a:endParaRPr lang="en-US" sz="9600" dirty="0">
-              <a:cs typeface="Calibri Light"/>
-            </a:endParaRPr>
-          </a:p>
-        </p:txBody>
-      </p:sp>
       <p:cxnSp>
         <p:nvCxnSpPr>
           <p:cNvPr id="13" name="Straight Connector 12">
@@ -10528,153 +10057,6 @@
           </a:prstGeom>
         </p:spPr>
       </p:pic>
-      <p:sp>
-        <p:nvSpPr>
-          <p:cNvPr id="6" name="Title 1">
-            <a:extLst>
-              <a:ext uri="{FF2B5EF4-FFF2-40B4-BE49-F238E27FC236}">
-                <a16:creationId xmlns:a16="http://schemas.microsoft.com/office/drawing/2014/main" id="{56F06D65-0FEF-BB76-4F8F-6B687EC7FFDE}"/>
-              </a:ext>
-            </a:extLst>
-          </p:cNvPr>
-          <p:cNvSpPr txBox="1">
-            <a:spLocks/>
-          </p:cNvSpPr>
-          <p:nvPr/>
-        </p:nvSpPr>
-        <p:spPr>
-          <a:xfrm>
-            <a:off x="-627629" y="5623261"/>
-            <a:ext cx="4716003" cy="599738"/>
-          </a:xfrm>
-          <a:prstGeom prst="rect">
-            <a:avLst/>
-          </a:prstGeom>
-        </p:spPr>
-        <p:txBody>
-          <a:bodyPr vert="horz" lIns="91440" tIns="45720" rIns="91440" bIns="45720" rtlCol="0" anchor="b">
-            <a:noAutofit/>
-          </a:bodyPr>
-          <a:lstStyle>
-            <a:lvl1pPr algn="ctr" defTabSz="914400" rtl="0" eaLnBrk="1" latinLnBrk="0" hangingPunct="1">
-              <a:lnSpc>
-                <a:spcPct val="90000"/>
-              </a:lnSpc>
-              <a:spcBef>
-                <a:spcPct val="0"/>
-              </a:spcBef>
-              <a:buNone/>
-              <a:defRPr sz="5200" kern="1200">
-                <a:solidFill>
-                  <a:schemeClr val="tx2"/>
-                </a:solidFill>
-                <a:latin typeface="+mj-lt"/>
-                <a:ea typeface="+mj-ea"/>
-                <a:cs typeface="+mj-cs"/>
-              </a:defRPr>
-            </a:lvl1pPr>
-          </a:lstStyle>
-          <a:p>
-            <a:r>
-              <a:rPr lang="en-US" sz="3600" b="1">
-                <a:solidFill>
-                  <a:schemeClr val="tx1"/>
-                </a:solidFill>
-                <a:highlight>
-                  <a:srgbClr val="FF0000"/>
-                </a:highlight>
-                <a:latin typeface="Dante"/>
-                <a:ea typeface="Calibri Light"/>
-                <a:cs typeface="Calibri Light"/>
-              </a:rPr>
-              <a:t>Version: 6.2.7 Final</a:t>
-            </a:r>
-            <a:endParaRPr lang="en-US" sz="3600" b="1" dirty="0">
-              <a:solidFill>
-                <a:schemeClr val="tx1"/>
-              </a:solidFill>
-              <a:highlight>
-                <a:srgbClr val="FF0000"/>
-              </a:highlight>
-              <a:latin typeface="Dante"/>
-              <a:ea typeface="Calibri Light"/>
-              <a:cs typeface="Calibri Light"/>
-            </a:endParaRPr>
-          </a:p>
-        </p:txBody>
-      </p:sp>
-      <p:sp>
-        <p:nvSpPr>
-          <p:cNvPr id="10" name="Title 1">
-            <a:extLst>
-              <a:ext uri="{FF2B5EF4-FFF2-40B4-BE49-F238E27FC236}">
-                <a16:creationId xmlns:a16="http://schemas.microsoft.com/office/drawing/2014/main" id="{68A715F3-7B53-4867-81DB-030B46BC8AE7}"/>
-              </a:ext>
-            </a:extLst>
-          </p:cNvPr>
-          <p:cNvSpPr txBox="1">
-            <a:spLocks/>
-          </p:cNvSpPr>
-          <p:nvPr/>
-        </p:nvSpPr>
-        <p:spPr>
-          <a:xfrm>
-            <a:off x="8357621" y="5570344"/>
-            <a:ext cx="4716003" cy="599738"/>
-          </a:xfrm>
-          <a:prstGeom prst="rect">
-            <a:avLst/>
-          </a:prstGeom>
-        </p:spPr>
-        <p:txBody>
-          <a:bodyPr vert="horz" lIns="91440" tIns="45720" rIns="91440" bIns="45720" rtlCol="0" anchor="b">
-            <a:noAutofit/>
-          </a:bodyPr>
-          <a:lstStyle>
-            <a:lvl1pPr algn="ctr" defTabSz="914400" rtl="0" eaLnBrk="1" latinLnBrk="0" hangingPunct="1">
-              <a:lnSpc>
-                <a:spcPct val="90000"/>
-              </a:lnSpc>
-              <a:spcBef>
-                <a:spcPct val="0"/>
-              </a:spcBef>
-              <a:buNone/>
-              <a:defRPr sz="5200" kern="1200">
-                <a:solidFill>
-                  <a:schemeClr val="tx2"/>
-                </a:solidFill>
-                <a:latin typeface="+mj-lt"/>
-                <a:ea typeface="+mj-ea"/>
-                <a:cs typeface="+mj-cs"/>
-              </a:defRPr>
-            </a:lvl1pPr>
-          </a:lstStyle>
-          <a:p>
-            <a:r>
-              <a:rPr lang="en-US" sz="3600" b="1">
-                <a:solidFill>
-                  <a:schemeClr val="tx1"/>
-                </a:solidFill>
-                <a:highlight>
-                  <a:srgbClr val="FF0000"/>
-                </a:highlight>
-                <a:latin typeface="Dante"/>
-                <a:cs typeface="Calibri Light"/>
-              </a:rPr>
-              <a:t>Hibernate-Core</a:t>
-            </a:r>
-            <a:endParaRPr lang="en-US" sz="3600" b="1">
-              <a:solidFill>
-                <a:schemeClr val="tx1"/>
-              </a:solidFill>
-              <a:highlight>
-                <a:srgbClr val="FF0000"/>
-              </a:highlight>
-              <a:cs typeface="Calibri Light"/>
-            </a:endParaRPr>
-          </a:p>
-        </p:txBody>
-      </p:sp>
     </p:spTree>
     <p:extLst>
       <p:ext uri="{BB962C8B-B14F-4D97-AF65-F5344CB8AC3E}">
@@ -11089,42 +10471,6 @@
           </a:p>
         </p:txBody>
       </p:sp>
-      <p:sp>
-        <p:nvSpPr>
-          <p:cNvPr id="2" name="Title 1"/>
-          <p:cNvSpPr>
-            <a:spLocks noGrp="1"/>
-          </p:cNvSpPr>
-          <p:nvPr>
-            <p:ph type="ctrTitle"/>
-          </p:nvPr>
-        </p:nvSpPr>
-        <p:spPr>
-          <a:xfrm>
-            <a:off x="1489039" y="-843155"/>
-            <a:ext cx="9213920" cy="2737570"/>
-          </a:xfrm>
-        </p:spPr>
-        <p:txBody>
-          <a:bodyPr>
-            <a:normAutofit/>
-          </a:bodyPr>
-          <a:lstStyle/>
-          <a:p>
-            <a:r>
-              <a:rPr lang="en-US" sz="9600">
-                <a:ea typeface="Calibri Light"/>
-                <a:cs typeface="Calibri Light"/>
-              </a:rPr>
-              <a:t>TOMCAT</a:t>
-            </a:r>
-            <a:endParaRPr lang="en-US" sz="9600" dirty="0">
-              <a:ea typeface="Calibri Light"/>
-              <a:cs typeface="Calibri Light"/>
-            </a:endParaRPr>
-          </a:p>
-        </p:txBody>
-      </p:sp>
       <p:cxnSp>
         <p:nvCxnSpPr>
           <p:cNvPr id="13" name="Straight Connector 12">
@@ -11263,76 +10609,26 @@
       </p:pic>
       <p:sp>
         <p:nvSpPr>
-          <p:cNvPr id="5" name="Title 1">
-            <a:extLst>
-              <a:ext uri="{FF2B5EF4-FFF2-40B4-BE49-F238E27FC236}">
-                <a16:creationId xmlns:a16="http://schemas.microsoft.com/office/drawing/2014/main" id="{1924819A-2A28-4C4D-7411-7DAE31B64071}"/>
-              </a:ext>
-            </a:extLst>
-          </p:cNvPr>
-          <p:cNvSpPr txBox="1">
-            <a:spLocks/>
+          <p:cNvPr id="6" name="Title 5">
+            <a:extLst>
+              <a:ext uri="{FF2B5EF4-FFF2-40B4-BE49-F238E27FC236}">
+                <a16:creationId xmlns:a16="http://schemas.microsoft.com/office/drawing/2014/main" id="{B6166D35-037A-365D-83C8-04B3BDD5FAA3}"/>
+              </a:ext>
+            </a:extLst>
+          </p:cNvPr>
+          <p:cNvSpPr>
+            <a:spLocks noGrp="1"/>
           </p:cNvSpPr>
-          <p:nvPr/>
-        </p:nvSpPr>
-        <p:spPr>
-          <a:xfrm>
-            <a:off x="-860462" y="5570344"/>
-            <a:ext cx="4716003" cy="599738"/>
-          </a:xfrm>
-          <a:prstGeom prst="rect">
-            <a:avLst/>
-          </a:prstGeom>
-        </p:spPr>
-        <p:txBody>
-          <a:bodyPr vert="horz" lIns="91440" tIns="45720" rIns="91440" bIns="45720" rtlCol="0" anchor="b">
-            <a:noAutofit/>
-          </a:bodyPr>
-          <a:lstStyle>
-            <a:lvl1pPr algn="ctr" defTabSz="914400" rtl="0" eaLnBrk="1" latinLnBrk="0" hangingPunct="1">
-              <a:lnSpc>
-                <a:spcPct val="90000"/>
-              </a:lnSpc>
-              <a:spcBef>
-                <a:spcPct val="0"/>
-              </a:spcBef>
-              <a:buNone/>
-              <a:defRPr sz="5200" kern="1200">
-                <a:solidFill>
-                  <a:schemeClr val="tx2"/>
-                </a:solidFill>
-                <a:latin typeface="+mj-lt"/>
-                <a:ea typeface="+mj-ea"/>
-                <a:cs typeface="+mj-cs"/>
-              </a:defRPr>
-            </a:lvl1pPr>
-          </a:lstStyle>
-          <a:p>
-            <a:r>
-              <a:rPr lang="en-US" sz="3600" b="1">
-                <a:solidFill>
-                  <a:schemeClr val="tx1"/>
-                </a:solidFill>
-                <a:highlight>
-                  <a:srgbClr val="FF0000"/>
-                </a:highlight>
-                <a:latin typeface="Dante"/>
-                <a:ea typeface="Calibri Light"/>
-                <a:cs typeface="Calibri Light"/>
-              </a:rPr>
-              <a:t>Version: 10.1.13</a:t>
-            </a:r>
-            <a:endParaRPr lang="en-US" sz="3600" b="1" dirty="0">
-              <a:solidFill>
-                <a:schemeClr val="tx1"/>
-              </a:solidFill>
-              <a:highlight>
-                <a:srgbClr val="FF0000"/>
-              </a:highlight>
-              <a:latin typeface="Dante"/>
-              <a:ea typeface="Calibri Light"/>
-              <a:cs typeface="Calibri Light"/>
-            </a:endParaRPr>
+          <p:nvPr>
+            <p:ph type="ctrTitle"/>
+          </p:nvPr>
+        </p:nvSpPr>
+        <p:spPr/>
+        <p:txBody>
+          <a:bodyPr/>
+          <a:lstStyle/>
+          <a:p>
+            <a:endParaRPr lang="en-US"/>
           </a:p>
         </p:txBody>
       </p:sp>
